--- a/attachment/EricssonOne/ProblemSolution.pptx
+++ b/attachment/EricssonOne/ProblemSolution.pptx
@@ -211,7 +211,7 @@
           <a:p>
             <a:fld id="{BE16648C-1F6B-4823-8E05-A8290E99F64E}" type="datetimeFigureOut">
               <a:rPr lang="zh-CN" altLang="en-US" smtClean="0"/>
-              <a:t>2021/5/18</a:t>
+              <a:t>2021/5/20</a:t>
             </a:fld>
             <a:endParaRPr lang="zh-CN" altLang="en-US"/>
           </a:p>
@@ -705,7 +705,7 @@
           <a:p>
             <a:fld id="{1D8BD707-D9CF-40AE-B4C6-C98DA3205C09}" type="datetimeFigureOut">
               <a:rPr lang="en-US"/>
-              <a:t>5/18/2021</a:t>
+              <a:t>5/20/2021</a:t>
             </a:fld>
             <a:endParaRPr lang="en-US"/>
           </a:p>
@@ -876,7 +876,7 @@
           <a:p>
             <a:fld id="{1D8BD707-D9CF-40AE-B4C6-C98DA3205C09}" type="datetimeFigureOut">
               <a:rPr lang="en-US"/>
-              <a:t>5/18/2021</a:t>
+              <a:t>5/20/2021</a:t>
             </a:fld>
             <a:endParaRPr lang="en-US"/>
           </a:p>
@@ -1090,7 +1090,7 @@
           <a:p>
             <a:fld id="{1D8BD707-D9CF-40AE-B4C6-C98DA3205C09}" type="datetimeFigureOut">
               <a:rPr lang="en-US"/>
-              <a:t>5/18/2021</a:t>
+              <a:t>5/20/2021</a:t>
             </a:fld>
             <a:endParaRPr lang="en-US"/>
           </a:p>
@@ -1238,7 +1238,7 @@
           <a:p>
             <a:fld id="{1D8BD707-D9CF-40AE-B4C6-C98DA3205C09}" type="datetimeFigureOut">
               <a:rPr lang="en-US"/>
-              <a:t>5/18/2021</a:t>
+              <a:t>5/20/2021</a:t>
             </a:fld>
             <a:endParaRPr lang="en-US"/>
           </a:p>
@@ -1357,7 +1357,7 @@
           <a:p>
             <a:fld id="{1D8BD707-D9CF-40AE-B4C6-C98DA3205C09}" type="datetimeFigureOut">
               <a:rPr lang="en-US"/>
-              <a:t>5/18/2021</a:t>
+              <a:t>5/20/2021</a:t>
             </a:fld>
             <a:endParaRPr lang="en-US"/>
           </a:p>
@@ -1576,7 +1576,7 @@
           <a:p>
             <a:fld id="{1D8BD707-D9CF-40AE-B4C6-C98DA3205C09}" type="datetimeFigureOut">
               <a:rPr lang="en-US"/>
-              <a:t>5/18/2021</a:t>
+              <a:t>5/20/2021</a:t>
             </a:fld>
             <a:endParaRPr lang="en-US"/>
           </a:p>
@@ -1840,14 +1840,14 @@
           <p:nvPr>
             <p:extLst>
               <p:ext uri="{D42A27DB-BD31-4B8C-83A1-F6EECF244321}">
-                <p14:modId xmlns:p14="http://schemas.microsoft.com/office/powerpoint/2010/main" val="1014898"/>
+                <p14:modId xmlns:p14="http://schemas.microsoft.com/office/powerpoint/2010/main" val="1153401912"/>
               </p:ext>
             </p:extLst>
           </p:nvPr>
         </p:nvGraphicFramePr>
         <p:xfrm>
           <a:off x="972483" y="1831096"/>
-          <a:ext cx="18663285" cy="8415232"/>
+          <a:ext cx="18663285" cy="9169423"/>
         </p:xfrm>
         <a:graphic>
           <a:graphicData uri="http://schemas.openxmlformats.org/drawingml/2006/table">
@@ -2203,6 +2203,24 @@
                           <a:spcPts val="30"/>
                         </a:spcBef>
                       </a:pPr>
+                      <a:r>
+                        <a:rPr lang="en-US" sz="3350" dirty="0">
+                          <a:solidFill>
+                            <a:schemeClr val="tx1"/>
+                          </a:solidFill>
+                          <a:latin typeface="Times New Roman"/>
+                          <a:ea typeface="+mn-ea"/>
+                          <a:cs typeface="Times New Roman"/>
+                        </a:rPr>
+                        <a:t>Interactive</a:t>
+                      </a:r>
+                      <a:r>
+                        <a:rPr lang="en-US" sz="3350" dirty="0">
+                          <a:latin typeface="Times New Roman"/>
+                          <a:cs typeface="Times New Roman"/>
+                        </a:rPr>
+                        <a:t> Building</a:t>
+                      </a:r>
                       <a:endParaRPr sz="3350" dirty="0">
                         <a:latin typeface="Times New Roman"/>
                         <a:cs typeface="Times New Roman"/>
@@ -2261,6 +2279,13 @@
                           <a:spcPct val="100000"/>
                         </a:lnSpc>
                       </a:pPr>
+                      <a:r>
+                        <a:rPr lang="en-US" sz="2600" dirty="0">
+                          <a:latin typeface="Arial"/>
+                          <a:cs typeface="Arial"/>
+                        </a:rPr>
+                        <a:t>Artisan</a:t>
+                      </a:r>
                       <a:endParaRPr sz="2600" dirty="0">
                         <a:latin typeface="Arial"/>
                         <a:cs typeface="Arial"/>
@@ -2322,6 +2347,74 @@
                           <a:spcPts val="55"/>
                         </a:spcBef>
                       </a:pPr>
+                      <a:r>
+                        <a:rPr lang="en-US" sz="2600" dirty="0">
+                          <a:latin typeface="Arial"/>
+                          <a:cs typeface="Arial"/>
+                        </a:rPr>
+                        <a:t>Building Users:</a:t>
+                      </a:r>
+                    </a:p>
+                    <a:p>
+                      <a:pPr>
+                        <a:lnSpc>
+                          <a:spcPct val="100000"/>
+                        </a:lnSpc>
+                        <a:spcBef>
+                          <a:spcPts val="55"/>
+                        </a:spcBef>
+                      </a:pPr>
+                      <a:r>
+                        <a:rPr lang="en-US" sz="2600" dirty="0">
+                          <a:latin typeface="Arial"/>
+                          <a:cs typeface="Arial"/>
+                        </a:rPr>
+                        <a:t>-want to know the building facility occupation status easily so they can utilize them efficiently.</a:t>
+                      </a:r>
+                    </a:p>
+                    <a:p>
+                      <a:pPr>
+                        <a:lnSpc>
+                          <a:spcPct val="100000"/>
+                        </a:lnSpc>
+                        <a:spcBef>
+                          <a:spcPts val="55"/>
+                        </a:spcBef>
+                      </a:pPr>
+                      <a:r>
+                        <a:rPr lang="en-US" sz="2600" dirty="0">
+                          <a:latin typeface="Arial"/>
+                          <a:cs typeface="Arial"/>
+                        </a:rPr>
+                        <a:t>Building Managers:</a:t>
+                      </a:r>
+                    </a:p>
+                    <a:p>
+                      <a:pPr>
+                        <a:lnSpc>
+                          <a:spcPct val="100000"/>
+                        </a:lnSpc>
+                        <a:spcBef>
+                          <a:spcPts val="55"/>
+                        </a:spcBef>
+                      </a:pPr>
+                      <a:r>
+                        <a:rPr lang="en-US" sz="2600" dirty="0">
+                          <a:latin typeface="Arial"/>
+                          <a:cs typeface="Arial"/>
+                        </a:rPr>
+                        <a:t>-wants to have facility utilization statistics to identify bottleneck and plan improvement.</a:t>
+                      </a:r>
+                    </a:p>
+                    <a:p>
+                      <a:pPr>
+                        <a:lnSpc>
+                          <a:spcPct val="100000"/>
+                        </a:lnSpc>
+                        <a:spcBef>
+                          <a:spcPts val="55"/>
+                        </a:spcBef>
+                      </a:pPr>
                       <a:endParaRPr sz="2600" dirty="0">
                         <a:latin typeface="Arial"/>
                         <a:cs typeface="Arial"/>
@@ -2383,7 +2476,44 @@
                           <a:spcPts val="919"/>
                         </a:spcBef>
                       </a:pPr>
-                      <a:endParaRPr sz="2600">
+                      <a:r>
+                        <a:rPr lang="en-US" sz="2600" dirty="0">
+                          <a:latin typeface="Arial"/>
+                          <a:cs typeface="Arial"/>
+                        </a:rPr>
+                        <a:t>Build a platform to monitor types of building facilities.</a:t>
+                      </a:r>
+                    </a:p>
+                    <a:p>
+                      <a:pPr marL="280670" marR="283210" indent="12065" algn="ctr">
+                        <a:lnSpc>
+                          <a:spcPct val="103099"/>
+                        </a:lnSpc>
+                        <a:spcBef>
+                          <a:spcPts val="919"/>
+                        </a:spcBef>
+                      </a:pPr>
+                      <a:r>
+                        <a:rPr lang="en-US" sz="2600" dirty="0">
+                          <a:latin typeface="Arial"/>
+                          <a:cs typeface="Arial"/>
+                        </a:rPr>
+                        <a:t>Users can better plan their action based on the real-time status.</a:t>
+                      </a:r>
+                      <a:br>
+                        <a:rPr lang="en-US" sz="2600" dirty="0">
+                          <a:latin typeface="Arial"/>
+                          <a:cs typeface="Arial"/>
+                        </a:rPr>
+                      </a:br>
+                      <a:r>
+                        <a:rPr lang="en-US" sz="2600" dirty="0">
+                          <a:latin typeface="Arial"/>
+                          <a:cs typeface="Arial"/>
+                        </a:rPr>
+                        <a:t>Managers can analysis the real-time status and long-term statistics to find bottleneck and improve. </a:t>
+                      </a:r>
+                      <a:endParaRPr sz="2600" dirty="0">
                         <a:latin typeface="Arial"/>
                         <a:cs typeface="Arial"/>
                       </a:endParaRPr>
@@ -2443,18 +2573,36 @@
                     <a:bodyPr/>
                     <a:lstStyle/>
                     <a:p>
-                      <a:pPr>
+                      <a:pPr marL="0">
                         <a:lnSpc>
                           <a:spcPct val="100000"/>
                         </a:lnSpc>
-                      </a:pPr>
-                      <a:endParaRPr sz="2600" dirty="0">
-                        <a:latin typeface="Arial"/>
-                        <a:cs typeface="Arial"/>
+                        <a:spcBef>
+                          <a:spcPts val="30"/>
+                        </a:spcBef>
+                      </a:pPr>
+                      <a:r>
+                        <a:rPr lang="en-US" sz="3350" dirty="0">
+                          <a:solidFill>
+                            <a:schemeClr val="tx1"/>
+                          </a:solidFill>
+                          <a:latin typeface="Times New Roman"/>
+                          <a:ea typeface="+mn-ea"/>
+                          <a:cs typeface="Times New Roman"/>
+                        </a:rPr>
+                        <a:t>Green Building</a:t>
+                      </a:r>
+                      <a:endParaRPr sz="3350" dirty="0">
+                        <a:solidFill>
+                          <a:schemeClr val="tx1"/>
+                        </a:solidFill>
+                        <a:latin typeface="Times New Roman"/>
+                        <a:ea typeface="+mn-ea"/>
+                        <a:cs typeface="Times New Roman"/>
                       </a:endParaRPr>
                     </a:p>
                   </a:txBody>
-                  <a:tcPr marL="0" marR="0" marT="0" marB="0">
+                  <a:tcPr marL="0" marR="0" marT="0" marB="0" anchor="ctr">
                     <a:lnL w="12700" cap="flat" cmpd="sng" algn="ctr">
                       <a:solidFill>
                         <a:schemeClr val="bg2"/>
@@ -2506,7 +2654,14 @@
                           <a:spcPct val="100000"/>
                         </a:lnSpc>
                       </a:pPr>
-                      <a:endParaRPr sz="2600">
+                      <a:r>
+                        <a:rPr lang="en-US" sz="2600" dirty="0">
+                          <a:latin typeface="Arial"/>
+                          <a:cs typeface="Arial"/>
+                        </a:rPr>
+                        <a:t>Artisan</a:t>
+                      </a:r>
+                      <a:endParaRPr sz="2600" dirty="0">
                         <a:latin typeface="Arial"/>
                         <a:cs typeface="Arial"/>
                       </a:endParaRPr>
@@ -2567,6 +2722,30 @@
                           <a:spcPts val="20"/>
                         </a:spcBef>
                       </a:pPr>
+                      <a:r>
+                        <a:rPr lang="en-US" sz="2600" dirty="0">
+                          <a:latin typeface="Arial"/>
+                          <a:cs typeface="Arial"/>
+                        </a:rPr>
+                        <a:t>Building Managements:</a:t>
+                      </a:r>
+                    </a:p>
+                    <a:p>
+                      <a:pPr>
+                        <a:lnSpc>
+                          <a:spcPct val="100000"/>
+                        </a:lnSpc>
+                        <a:spcBef>
+                          <a:spcPts val="20"/>
+                        </a:spcBef>
+                      </a:pPr>
+                      <a:r>
+                        <a:rPr lang="en-US" sz="2600" dirty="0">
+                          <a:latin typeface="Arial"/>
+                          <a:cs typeface="Arial"/>
+                        </a:rPr>
+                        <a:t>-want to cut the unnecessary energy consumption.</a:t>
+                      </a:r>
                       <a:endParaRPr sz="2600" dirty="0">
                         <a:latin typeface="Arial"/>
                         <a:cs typeface="Arial"/>
@@ -2628,7 +2807,14 @@
                           <a:spcPts val="235"/>
                         </a:spcBef>
                       </a:pPr>
-                      <a:endParaRPr sz="2600">
+                      <a:r>
+                        <a:rPr lang="en-US" sz="2600" dirty="0">
+                          <a:latin typeface="Arial"/>
+                          <a:cs typeface="Arial"/>
+                        </a:rPr>
+                        <a:t>Based on the facility monitor platform, build an additional control system that can turn on/off the light/air power supply system when possible.</a:t>
+                      </a:r>
+                      <a:endParaRPr sz="2600" dirty="0">
                         <a:latin typeface="Arial"/>
                         <a:cs typeface="Arial"/>
                       </a:endParaRPr>
@@ -3904,7 +4090,7 @@
                         </a:rPr>
                         <a:t>approach</a:t>
                       </a:r>
-                      <a:endParaRPr sz="2600">
+                      <a:endParaRPr sz="2600" dirty="0">
                         <a:latin typeface="Arial"/>
                         <a:cs typeface="Arial"/>
                       </a:endParaRPr>
@@ -5195,7 +5381,7 @@
           <p:nvPr>
             <p:extLst>
               <p:ext uri="{D42A27DB-BD31-4B8C-83A1-F6EECF244321}">
-                <p14:modId xmlns:p14="http://schemas.microsoft.com/office/powerpoint/2010/main" val="3359549937"/>
+                <p14:modId xmlns:p14="http://schemas.microsoft.com/office/powerpoint/2010/main" val="644913613"/>
               </p:ext>
             </p:extLst>
           </p:nvPr>
@@ -6072,6 +6258,13 @@
                           <a:spcPts val="1115"/>
                         </a:spcBef>
                       </a:pPr>
+                      <a:r>
+                        <a:rPr lang="en-US" sz="2600" dirty="0">
+                          <a:latin typeface="Arial"/>
+                          <a:cs typeface="Arial"/>
+                        </a:rPr>
+                        <a:t>Artisan</a:t>
+                      </a:r>
                       <a:endParaRPr sz="2600" dirty="0">
                         <a:latin typeface="Arial"/>
                         <a:cs typeface="Arial"/>
@@ -6133,6 +6326,13 @@
                           <a:spcPts val="2695"/>
                         </a:spcBef>
                       </a:pPr>
+                      <a:r>
+                        <a:rPr lang="en-US" sz="2600" dirty="0">
+                          <a:latin typeface="Arial"/>
+                          <a:cs typeface="Arial"/>
+                        </a:rPr>
+                        <a:t>Building managers would like to deploy the monitor and control systems in their buildings.</a:t>
+                      </a:r>
                       <a:endParaRPr sz="2600" dirty="0">
                         <a:latin typeface="Arial"/>
                         <a:cs typeface="Arial"/>
@@ -6186,15 +6386,129 @@
                     <a:bodyPr/>
                     <a:lstStyle/>
                     <a:p>
-                      <a:pPr>
+                      <a:pPr marL="0" marR="0" lvl="0" indent="0" algn="ctr" defTabSz="914400" eaLnBrk="1" fontAlgn="auto" latinLnBrk="0" hangingPunct="1">
                         <a:lnSpc>
                           <a:spcPct val="100000"/>
                         </a:lnSpc>
                         <a:spcBef>
                           <a:spcPts val="45"/>
                         </a:spcBef>
-                      </a:pPr>
-                      <a:endParaRPr sz="2600" dirty="0">
+                        <a:spcAft>
+                          <a:spcPts val="0"/>
+                        </a:spcAft>
+                        <a:buClrTx/>
+                        <a:buSzTx/>
+                        <a:buFontTx/>
+                        <a:buNone/>
+                        <a:tabLst/>
+                        <a:defRPr/>
+                      </a:pPr>
+                      <a:r>
+                        <a:rPr lang="en-US" sz="2600" spc="-45" dirty="0">
+                          <a:latin typeface="Arial"/>
+                          <a:cs typeface="Arial"/>
+                        </a:rPr>
+                        <a:t>Interview</a:t>
+                      </a:r>
+                      <a:r>
+                        <a:rPr lang="en-US" sz="2600" spc="-20" dirty="0">
+                          <a:latin typeface="Arial"/>
+                          <a:cs typeface="Arial"/>
+                        </a:rPr>
+                        <a:t> </a:t>
+                      </a:r>
+                      <a:r>
+                        <a:rPr lang="en-US" sz="2600" spc="20" dirty="0">
+                          <a:latin typeface="Arial"/>
+                          <a:cs typeface="Arial"/>
+                        </a:rPr>
+                        <a:t>5</a:t>
+                      </a:r>
+                      <a:r>
+                        <a:rPr lang="en-US" sz="2600" spc="-15" dirty="0">
+                          <a:latin typeface="Arial"/>
+                          <a:cs typeface="Arial"/>
+                        </a:rPr>
+                        <a:t> </a:t>
+                      </a:r>
+                      <a:r>
+                        <a:rPr lang="en-US" sz="2600" spc="-20" dirty="0">
+                          <a:latin typeface="Arial"/>
+                          <a:cs typeface="Arial"/>
+                        </a:rPr>
+                        <a:t>potential </a:t>
+                      </a:r>
+                      <a:r>
+                        <a:rPr lang="en-US" sz="2600" dirty="0">
+                          <a:latin typeface="Arial"/>
+                          <a:cs typeface="Arial"/>
+                        </a:rPr>
+                        <a:t> </a:t>
+                      </a:r>
+                      <a:r>
+                        <a:rPr lang="en-US" sz="2600" spc="-30" dirty="0">
+                          <a:latin typeface="Arial"/>
+                          <a:cs typeface="Arial"/>
+                        </a:rPr>
+                        <a:t>clients </a:t>
+                      </a:r>
+                      <a:r>
+                        <a:rPr lang="en-US" sz="2600" spc="-25" dirty="0">
+                          <a:latin typeface="Arial"/>
+                          <a:cs typeface="Arial"/>
+                        </a:rPr>
+                        <a:t>following </a:t>
+                      </a:r>
+                      <a:r>
+                        <a:rPr lang="en-US" sz="2600" spc="-55" dirty="0">
+                          <a:latin typeface="Arial"/>
+                          <a:cs typeface="Arial"/>
+                        </a:rPr>
+                        <a:t>an  </a:t>
+                      </a:r>
+                      <a:r>
+                        <a:rPr lang="en-US" sz="2600" spc="-40" dirty="0">
+                          <a:latin typeface="Arial"/>
+                          <a:cs typeface="Arial"/>
+                        </a:rPr>
+                        <a:t>interview </a:t>
+                      </a:r>
+                      <a:r>
+                        <a:rPr lang="en-US" sz="2600" spc="-15" dirty="0">
+                          <a:latin typeface="Arial"/>
+                          <a:cs typeface="Arial"/>
+                        </a:rPr>
+                        <a:t>template  </a:t>
+                      </a:r>
+                      <a:r>
+                        <a:rPr lang="en-US" sz="2600" spc="-10" dirty="0">
+                          <a:latin typeface="Arial"/>
+                          <a:cs typeface="Arial"/>
+                        </a:rPr>
+                        <a:t>based </a:t>
+                      </a:r>
+                      <a:r>
+                        <a:rPr lang="en-US" sz="2600" spc="-5" dirty="0">
+                          <a:latin typeface="Arial"/>
+                          <a:cs typeface="Arial"/>
+                        </a:rPr>
+                        <a:t>on </a:t>
+                      </a:r>
+                      <a:r>
+                        <a:rPr lang="en-US" sz="2600" spc="-15" dirty="0">
+                          <a:latin typeface="Arial"/>
+                          <a:cs typeface="Arial"/>
+                        </a:rPr>
+                        <a:t>Customer  </a:t>
+                      </a:r>
+                      <a:r>
+                        <a:rPr lang="en-US" sz="2600" spc="-30" dirty="0">
+                          <a:latin typeface="Arial"/>
+                          <a:cs typeface="Arial"/>
+                        </a:rPr>
+                        <a:t>Development</a:t>
+                      </a:r>
+                      <a:endParaRPr lang="en-US" sz="2600" dirty="0">
                         <a:latin typeface="Arial"/>
                         <a:cs typeface="Arial"/>
                       </a:endParaRPr>
@@ -6252,7 +6566,131 @@
                           <a:spcPts val="3115"/>
                         </a:lnSpc>
                       </a:pPr>
-                      <a:endParaRPr sz="2600" dirty="0">
+                      <a:r>
+                        <a:rPr lang="en-US" sz="2600" spc="-10" dirty="0">
+                          <a:latin typeface="Arial"/>
+                          <a:cs typeface="Arial"/>
+                        </a:rPr>
+                        <a:t>At </a:t>
+                      </a:r>
+                      <a:r>
+                        <a:rPr lang="en-US" sz="2600" spc="-45" dirty="0">
+                          <a:latin typeface="Arial"/>
+                          <a:cs typeface="Arial"/>
+                        </a:rPr>
+                        <a:t>least </a:t>
+                      </a:r>
+                      <a:r>
+                        <a:rPr lang="en-US" sz="2600" spc="25" dirty="0">
+                          <a:latin typeface="Arial"/>
+                          <a:cs typeface="Arial"/>
+                        </a:rPr>
+                        <a:t>60%</a:t>
+                      </a:r>
+                      <a:r>
+                        <a:rPr lang="en-US" sz="2600" spc="55" dirty="0">
+                          <a:latin typeface="Arial"/>
+                          <a:cs typeface="Arial"/>
+                        </a:rPr>
+                        <a:t> </a:t>
+                      </a:r>
+                      <a:r>
+                        <a:rPr lang="en-US" sz="2600" spc="-10" dirty="0">
+                          <a:latin typeface="Arial"/>
+                          <a:cs typeface="Arial"/>
+                        </a:rPr>
+                        <a:t>of</a:t>
+                      </a:r>
+                      <a:endParaRPr lang="en-US" sz="2600" dirty="0">
+                        <a:latin typeface="Arial"/>
+                        <a:cs typeface="Arial"/>
+                      </a:endParaRPr>
+                    </a:p>
+                    <a:p>
+                      <a:pPr algn="ctr">
+                        <a:lnSpc>
+                          <a:spcPts val="3115"/>
+                        </a:lnSpc>
+                      </a:pPr>
+                      <a:r>
+                        <a:rPr lang="en-US" sz="2600" spc="-20" dirty="0">
+                          <a:latin typeface="Arial"/>
+                          <a:cs typeface="Arial"/>
+                        </a:rPr>
+                        <a:t>potential</a:t>
+                      </a:r>
+                      <a:r>
+                        <a:rPr lang="en-US" sz="2600" dirty="0">
+                          <a:latin typeface="Arial"/>
+                          <a:cs typeface="Arial"/>
+                        </a:rPr>
+                        <a:t> </a:t>
+                      </a:r>
+                      <a:r>
+                        <a:rPr lang="en-US" sz="2600" spc="-30" dirty="0">
+                          <a:latin typeface="Arial"/>
+                          <a:cs typeface="Arial"/>
+                        </a:rPr>
+                        <a:t>clients</a:t>
+                      </a:r>
+                      <a:endParaRPr lang="en-US" sz="2600" dirty="0">
+                        <a:latin typeface="Arial"/>
+                        <a:cs typeface="Arial"/>
+                      </a:endParaRPr>
+                    </a:p>
+                    <a:p>
+                      <a:pPr algn="ctr">
+                        <a:lnSpc>
+                          <a:spcPts val="3115"/>
+                        </a:lnSpc>
+                      </a:pPr>
+                      <a:r>
+                        <a:rPr lang="en-US" sz="2600" spc="-15" dirty="0">
+                          <a:latin typeface="Arial"/>
+                          <a:cs typeface="Arial"/>
+                        </a:rPr>
+                        <a:t>should </a:t>
+                      </a:r>
+                      <a:r>
+                        <a:rPr lang="en-US" sz="2600" spc="-50" dirty="0">
+                          <a:latin typeface="Arial"/>
+                          <a:cs typeface="Arial"/>
+                        </a:rPr>
+                        <a:t>validate</a:t>
+                      </a:r>
+                      <a:r>
+                        <a:rPr lang="en-US" sz="2600" spc="10" dirty="0">
+                          <a:latin typeface="Arial"/>
+                          <a:cs typeface="Arial"/>
+                        </a:rPr>
+                        <a:t> </a:t>
+                      </a:r>
+                      <a:r>
+                        <a:rPr lang="en-US" sz="2600" spc="-15" dirty="0">
+                          <a:latin typeface="Arial"/>
+                          <a:cs typeface="Arial"/>
+                        </a:rPr>
+                        <a:t>our</a:t>
+                      </a:r>
+                      <a:endParaRPr lang="en-US" sz="2600" dirty="0">
+                        <a:latin typeface="Arial"/>
+                        <a:cs typeface="Arial"/>
+                      </a:endParaRPr>
+                    </a:p>
+                    <a:p>
+                      <a:pPr marR="1270" algn="ctr">
+                        <a:lnSpc>
+                          <a:spcPts val="3115"/>
+                        </a:lnSpc>
+                      </a:pPr>
+                      <a:r>
+                        <a:rPr lang="en-US" sz="2600" spc="-25" dirty="0">
+                          <a:latin typeface="Arial"/>
+                          <a:cs typeface="Arial"/>
+                        </a:rPr>
+                        <a:t>hypotheses</a:t>
+                      </a:r>
+                      <a:endParaRPr lang="en-US" sz="2600" dirty="0">
                         <a:latin typeface="Arial"/>
                         <a:cs typeface="Arial"/>
                       </a:endParaRPr>
@@ -6310,7 +6748,7 @@
                           <a:spcPct val="100000"/>
                         </a:lnSpc>
                       </a:pPr>
-                      <a:endParaRPr sz="2600">
+                      <a:endParaRPr sz="2600" dirty="0">
                         <a:latin typeface="Arial"/>
                         <a:cs typeface="Arial"/>
                       </a:endParaRPr>
@@ -6462,6 +6900,13 @@
                           <a:spcPct val="100000"/>
                         </a:lnSpc>
                       </a:pPr>
+                      <a:r>
+                        <a:rPr lang="en-US" sz="2600" dirty="0">
+                          <a:latin typeface="Arial"/>
+                          <a:cs typeface="Arial"/>
+                        </a:rPr>
+                        <a:t>Building users would like to install the front-end of monitor system in their mobile phones</a:t>
+                      </a:r>
                       <a:endParaRPr sz="2600" dirty="0">
                         <a:latin typeface="Arial"/>
                         <a:cs typeface="Arial"/>
@@ -6515,6 +6960,134 @@
                     <a:bodyPr/>
                     <a:lstStyle/>
                     <a:p>
+                      <a:pPr marL="0" marR="0" lvl="0" indent="0" algn="ctr" defTabSz="914400" eaLnBrk="1" fontAlgn="auto" latinLnBrk="0" hangingPunct="1">
+                        <a:lnSpc>
+                          <a:spcPct val="100000"/>
+                        </a:lnSpc>
+                        <a:spcBef>
+                          <a:spcPts val="30"/>
+                        </a:spcBef>
+                        <a:spcAft>
+                          <a:spcPts val="0"/>
+                        </a:spcAft>
+                        <a:buClrTx/>
+                        <a:buSzTx/>
+                        <a:buFontTx/>
+                        <a:buNone/>
+                        <a:tabLst/>
+                        <a:defRPr/>
+                      </a:pPr>
+                      <a:r>
+                        <a:rPr lang="en-US" sz="2600" spc="-45" dirty="0">
+                          <a:latin typeface="Arial"/>
+                          <a:cs typeface="Arial"/>
+                        </a:rPr>
+                        <a:t>Interview</a:t>
+                      </a:r>
+                      <a:r>
+                        <a:rPr lang="en-US" sz="2600" spc="-20" dirty="0">
+                          <a:latin typeface="Arial"/>
+                          <a:cs typeface="Arial"/>
+                        </a:rPr>
+                        <a:t> </a:t>
+                      </a:r>
+                      <a:r>
+                        <a:rPr lang="en-US" sz="2600" spc="20" dirty="0">
+                          <a:latin typeface="Arial"/>
+                          <a:cs typeface="Arial"/>
+                        </a:rPr>
+                        <a:t>5</a:t>
+                      </a:r>
+                      <a:r>
+                        <a:rPr lang="en-US" sz="2600" spc="-15" dirty="0">
+                          <a:latin typeface="Arial"/>
+                          <a:cs typeface="Arial"/>
+                        </a:rPr>
+                        <a:t> </a:t>
+                      </a:r>
+                      <a:r>
+                        <a:rPr lang="en-US" sz="2600" spc="-20" dirty="0">
+                          <a:latin typeface="Arial"/>
+                          <a:cs typeface="Arial"/>
+                        </a:rPr>
+                        <a:t>potential </a:t>
+                      </a:r>
+                      <a:r>
+                        <a:rPr lang="en-US" sz="2600" dirty="0">
+                          <a:latin typeface="Arial"/>
+                          <a:cs typeface="Arial"/>
+                        </a:rPr>
+                        <a:t> </a:t>
+                      </a:r>
+                      <a:r>
+                        <a:rPr lang="en-US" sz="2600" spc="-30" dirty="0">
+                          <a:latin typeface="Arial"/>
+                          <a:cs typeface="Arial"/>
+                        </a:rPr>
+                        <a:t>clients </a:t>
+                      </a:r>
+                      <a:r>
+                        <a:rPr lang="en-US" sz="2600" spc="-25" dirty="0">
+                          <a:latin typeface="Arial"/>
+                          <a:cs typeface="Arial"/>
+                        </a:rPr>
+                        <a:t>following </a:t>
+                      </a:r>
+                      <a:r>
+                        <a:rPr lang="en-US" sz="2600" spc="-55" dirty="0">
+                          <a:latin typeface="Arial"/>
+                          <a:cs typeface="Arial"/>
+                        </a:rPr>
+                        <a:t>an  </a:t>
+                      </a:r>
+                      <a:r>
+                        <a:rPr lang="en-US" sz="2600" spc="-40" dirty="0">
+                          <a:latin typeface="Arial"/>
+                          <a:cs typeface="Arial"/>
+                        </a:rPr>
+                        <a:t>interview </a:t>
+                      </a:r>
+                      <a:r>
+                        <a:rPr lang="en-US" sz="2600" spc="-15" dirty="0">
+                          <a:latin typeface="Arial"/>
+                          <a:cs typeface="Arial"/>
+                        </a:rPr>
+                        <a:t>template  </a:t>
+                      </a:r>
+                      <a:r>
+                        <a:rPr lang="en-US" sz="2600" spc="-10" dirty="0">
+                          <a:latin typeface="Arial"/>
+                          <a:cs typeface="Arial"/>
+                        </a:rPr>
+                        <a:t>based </a:t>
+                      </a:r>
+                      <a:r>
+                        <a:rPr lang="en-US" sz="2600" spc="-5" dirty="0">
+                          <a:latin typeface="Arial"/>
+                          <a:cs typeface="Arial"/>
+                        </a:rPr>
+                        <a:t>on </a:t>
+                      </a:r>
+                      <a:r>
+                        <a:rPr lang="en-US" sz="2600" spc="-15" dirty="0">
+                          <a:latin typeface="Arial"/>
+                          <a:cs typeface="Arial"/>
+                        </a:rPr>
+                        <a:t>Customer  </a:t>
+                      </a:r>
+                      <a:r>
+                        <a:rPr lang="en-US" sz="2600" spc="-30" dirty="0">
+                          <a:latin typeface="Arial"/>
+                          <a:cs typeface="Arial"/>
+                        </a:rPr>
+                        <a:t>Development</a:t>
+                      </a:r>
+                      <a:endParaRPr lang="en-US" sz="2600" dirty="0">
+                        <a:latin typeface="Arial"/>
+                        <a:cs typeface="Arial"/>
+                      </a:endParaRPr>
+                    </a:p>
+                    <a:p>
                       <a:pPr>
                         <a:lnSpc>
                           <a:spcPct val="100000"/>
@@ -6576,12 +7149,136 @@
                     <a:bodyPr/>
                     <a:lstStyle/>
                     <a:p>
-                      <a:pPr>
-                        <a:lnSpc>
-                          <a:spcPct val="100000"/>
-                        </a:lnSpc>
-                      </a:pPr>
-                      <a:endParaRPr sz="2600" dirty="0">
+                      <a:pPr marL="6985" algn="ctr">
+                        <a:lnSpc>
+                          <a:spcPts val="3115"/>
+                        </a:lnSpc>
+                      </a:pPr>
+                      <a:r>
+                        <a:rPr lang="en-US" sz="2600" spc="-10" dirty="0">
+                          <a:latin typeface="Arial"/>
+                          <a:cs typeface="Arial"/>
+                        </a:rPr>
+                        <a:t>At </a:t>
+                      </a:r>
+                      <a:r>
+                        <a:rPr lang="en-US" sz="2600" spc="-45" dirty="0">
+                          <a:latin typeface="Arial"/>
+                          <a:cs typeface="Arial"/>
+                        </a:rPr>
+                        <a:t>least </a:t>
+                      </a:r>
+                      <a:r>
+                        <a:rPr lang="en-US" sz="2600" spc="25" dirty="0">
+                          <a:latin typeface="Arial"/>
+                          <a:cs typeface="Arial"/>
+                        </a:rPr>
+                        <a:t>60%</a:t>
+                      </a:r>
+                      <a:r>
+                        <a:rPr lang="en-US" sz="2600" spc="55" dirty="0">
+                          <a:latin typeface="Arial"/>
+                          <a:cs typeface="Arial"/>
+                        </a:rPr>
+                        <a:t> </a:t>
+                      </a:r>
+                      <a:r>
+                        <a:rPr lang="en-US" sz="2600" spc="-10" dirty="0">
+                          <a:latin typeface="Arial"/>
+                          <a:cs typeface="Arial"/>
+                        </a:rPr>
+                        <a:t>of</a:t>
+                      </a:r>
+                      <a:endParaRPr lang="en-US" sz="2600" dirty="0">
+                        <a:latin typeface="Arial"/>
+                        <a:cs typeface="Arial"/>
+                      </a:endParaRPr>
+                    </a:p>
+                    <a:p>
+                      <a:pPr algn="ctr">
+                        <a:lnSpc>
+                          <a:spcPts val="3115"/>
+                        </a:lnSpc>
+                      </a:pPr>
+                      <a:r>
+                        <a:rPr lang="en-US" sz="2600" spc="-20" dirty="0">
+                          <a:latin typeface="Arial"/>
+                          <a:cs typeface="Arial"/>
+                        </a:rPr>
+                        <a:t>potential</a:t>
+                      </a:r>
+                      <a:r>
+                        <a:rPr lang="en-US" sz="2600" dirty="0">
+                          <a:latin typeface="Arial"/>
+                          <a:cs typeface="Arial"/>
+                        </a:rPr>
+                        <a:t> </a:t>
+                      </a:r>
+                      <a:r>
+                        <a:rPr lang="en-US" sz="2600" spc="-30" dirty="0">
+                          <a:latin typeface="Arial"/>
+                          <a:cs typeface="Arial"/>
+                        </a:rPr>
+                        <a:t>clients</a:t>
+                      </a:r>
+                      <a:endParaRPr lang="en-US" sz="2600" dirty="0">
+                        <a:latin typeface="Arial"/>
+                        <a:cs typeface="Arial"/>
+                      </a:endParaRPr>
+                    </a:p>
+                    <a:p>
+                      <a:pPr algn="ctr">
+                        <a:lnSpc>
+                          <a:spcPts val="3115"/>
+                        </a:lnSpc>
+                      </a:pPr>
+                      <a:r>
+                        <a:rPr lang="en-US" sz="2600" spc="-15" dirty="0">
+                          <a:latin typeface="Arial"/>
+                          <a:cs typeface="Arial"/>
+                        </a:rPr>
+                        <a:t>should </a:t>
+                      </a:r>
+                      <a:r>
+                        <a:rPr lang="en-US" sz="2600" spc="-50" dirty="0">
+                          <a:latin typeface="Arial"/>
+                          <a:cs typeface="Arial"/>
+                        </a:rPr>
+                        <a:t>validate</a:t>
+                      </a:r>
+                      <a:r>
+                        <a:rPr lang="en-US" sz="2600" spc="10" dirty="0">
+                          <a:latin typeface="Arial"/>
+                          <a:cs typeface="Arial"/>
+                        </a:rPr>
+                        <a:t> </a:t>
+                      </a:r>
+                      <a:r>
+                        <a:rPr lang="en-US" sz="2600" spc="-15" dirty="0">
+                          <a:latin typeface="Arial"/>
+                          <a:cs typeface="Arial"/>
+                        </a:rPr>
+                        <a:t>our</a:t>
+                      </a:r>
+                      <a:endParaRPr lang="en-US" sz="2600" dirty="0">
+                        <a:latin typeface="Arial"/>
+                        <a:cs typeface="Arial"/>
+                      </a:endParaRPr>
+                    </a:p>
+                    <a:p>
+                      <a:pPr marR="1270" algn="ctr">
+                        <a:lnSpc>
+                          <a:spcPts val="3115"/>
+                        </a:lnSpc>
+                      </a:pPr>
+                      <a:r>
+                        <a:rPr lang="en-US" sz="2600" spc="-25" dirty="0">
+                          <a:latin typeface="Arial"/>
+                          <a:cs typeface="Arial"/>
+                        </a:rPr>
+                        <a:t>hypotheses</a:t>
+                      </a:r>
+                      <a:endParaRPr lang="en-US" sz="2600" dirty="0">
                         <a:latin typeface="Arial"/>
                         <a:cs typeface="Arial"/>
                       </a:endParaRPr>
@@ -10575,18 +11272,18 @@
 </file>
 
 <file path=customXml/item1.xml><?xml version="1.0" encoding="utf-8"?>
-<p:properties xmlns:p="http://schemas.microsoft.com/office/2006/metadata/properties" xmlns:xsi="http://www.w3.org/2001/XMLSchema-instance" xmlns:pc="http://schemas.microsoft.com/office/infopath/2007/PartnerControls">
-  <documentManagement/>
-</p:properties>
-</file>
-
-<file path=customXml/item2.xml><?xml version="1.0" encoding="utf-8"?>
 <?mso-contentType ?>
 <FormTemplates xmlns="http://schemas.microsoft.com/sharepoint/v3/contenttype/forms">
   <Display>DocumentLibraryForm</Display>
   <Edit>DocumentLibraryForm</Edit>
   <New>DocumentLibraryForm</New>
 </FormTemplates>
+</file>
+
+<file path=customXml/item2.xml><?xml version="1.0" encoding="utf-8"?>
+<p:properties xmlns:p="http://schemas.microsoft.com/office/2006/metadata/properties" xmlns:xsi="http://www.w3.org/2001/XMLSchema-instance" xmlns:pc="http://schemas.microsoft.com/office/infopath/2007/PartnerControls">
+  <documentManagement/>
+</p:properties>
 </file>
 
 <file path=customXml/item3.xml><?xml version="1.0" encoding="utf-8"?>
@@ -10813,18 +11510,18 @@
 </file>
 
 <file path=customXml/itemProps1.xml><?xml version="1.0" encoding="utf-8"?>
-<ds:datastoreItem xmlns:ds="http://schemas.openxmlformats.org/officeDocument/2006/customXml" ds:itemID="{BFD3A5FD-AFE5-4314-BF27-F46E28DA4E21}">
+<ds:datastoreItem xmlns:ds="http://schemas.openxmlformats.org/officeDocument/2006/customXml" ds:itemID="{C02A09D3-7012-43C7-A550-40D4DB2CB003}">
   <ds:schemaRefs>
-    <ds:schemaRef ds:uri="http://schemas.microsoft.com/office/2006/metadata/properties"/>
-    <ds:schemaRef ds:uri="http://schemas.microsoft.com/office/infopath/2007/PartnerControls"/>
+    <ds:schemaRef ds:uri="http://schemas.microsoft.com/sharepoint/v3/contenttype/forms"/>
   </ds:schemaRefs>
 </ds:datastoreItem>
 </file>
 
 <file path=customXml/itemProps2.xml><?xml version="1.0" encoding="utf-8"?>
-<ds:datastoreItem xmlns:ds="http://schemas.openxmlformats.org/officeDocument/2006/customXml" ds:itemID="{C02A09D3-7012-43C7-A550-40D4DB2CB003}">
+<ds:datastoreItem xmlns:ds="http://schemas.openxmlformats.org/officeDocument/2006/customXml" ds:itemID="{BFD3A5FD-AFE5-4314-BF27-F46E28DA4E21}">
   <ds:schemaRefs>
-    <ds:schemaRef ds:uri="http://schemas.microsoft.com/sharepoint/v3/contenttype/forms"/>
+    <ds:schemaRef ds:uri="http://schemas.microsoft.com/office/2006/metadata/properties"/>
+    <ds:schemaRef ds:uri="http://schemas.microsoft.com/office/infopath/2007/PartnerControls"/>
   </ds:schemaRefs>
 </ds:datastoreItem>
 </file>
